--- a/doc/GPC_LEC_2022_BIDS-VA-Linkage.pptx
+++ b/doc/GPC_LEC_2022_BIDS-VA-Linkage.pptx
@@ -259,8 +259,11 @@
     </a:lvl9pPr>
   </p:defaultTextStyle>
   <p:extLst>
+    <p:ext uri="{EFAFB233-063F-42B5-8137-9DF3F51BA10A}">
+      <p15:sldGuideLst xmlns:p15="http://schemas.microsoft.com/office/powerpoint/2012/main"/>
+    </p:ext>
     <p:ext uri="http://customooxmlschemas.google.com/">
-      <go:slidesCustomData xmlns:go="http://customooxmlschemas.google.com/" xmlns:ahyp="http://schemas.microsoft.com/office/drawing/2018/hyperlinkcolor" xmlns:p15="http://schemas.microsoft.com/office/powerpoint/2012/main" xmlns:p14="http://schemas.microsoft.com/office/powerpoint/2010/main" xmlns:com="http://schemas.openxmlformats.org/drawingml/2006/compatibility" xmlns:pvml="urn:schemas-microsoft-com:office:powerpoint" xmlns:v="urn:schemas-microsoft-com:vml" xmlns:o="urn:schemas-microsoft-com:office:office" xmlns:dgm="http://schemas.openxmlformats.org/drawingml/2006/diagram" xmlns:c="http://schemas.openxmlformats.org/drawingml/2006/chart" xmlns:mv="urn:schemas-microsoft-com:mac:vml" xmlns:mc="http://schemas.openxmlformats.org/markup-compatibility/2006" xmlns="" r:id="rId32" roundtripDataSignature="AMtx7mhMNwdgvwt/hcF+0JHSYhidT/9K0w=="/>
+      <go:slidesCustomData xmlns="" xmlns:mc="http://schemas.openxmlformats.org/markup-compatibility/2006" xmlns:mv="urn:schemas-microsoft-com:mac:vml" xmlns:c="http://schemas.openxmlformats.org/drawingml/2006/chart" xmlns:dgm="http://schemas.openxmlformats.org/drawingml/2006/diagram" xmlns:o="urn:schemas-microsoft-com:office:office" xmlns:v="urn:schemas-microsoft-com:vml" xmlns:pvml="urn:schemas-microsoft-com:office:powerpoint" xmlns:com="http://schemas.openxmlformats.org/drawingml/2006/compatibility" xmlns:p14="http://schemas.microsoft.com/office/powerpoint/2010/main" xmlns:p15="http://schemas.microsoft.com/office/powerpoint/2012/main" xmlns:ahyp="http://schemas.microsoft.com/office/drawing/2018/hyperlinkcolor" xmlns:go="http://customooxmlschemas.google.com/" r:id="rId32" roundtripDataSignature="AMtx7mhMNwdgvwt/hcF+0JHSYhidT/9K0w=="/>
     </p:ext>
   </p:extLst>
 </p:presentation>
@@ -29530,17 +29533,15 @@
           <p:cNvPicPr preferRelativeResize="0"/>
           <p:nvPr/>
         </p:nvPicPr>
-        <p:blipFill rotWithShape="1">
-          <a:blip r:embed="rId3">
-            <a:alphaModFix/>
-          </a:blip>
+        <p:blipFill>
+          <a:blip r:embed="rId3"/>
           <a:srcRect/>
           <a:stretch/>
         </p:blipFill>
         <p:spPr>
-          <a:xfrm rot="-5400000">
-            <a:off x="5922677" y="887334"/>
-            <a:ext cx="6828183" cy="5053515"/>
+          <a:xfrm>
+            <a:off x="7225559" y="157869"/>
+            <a:ext cx="4867123" cy="6417592"/>
           </a:xfrm>
           <a:prstGeom prst="rect">
             <a:avLst/>
@@ -34164,7 +34165,7 @@
         </p:spPr>
         <p:txBody>
           <a:bodyPr spcFirstLastPara="1" wrap="square" lIns="91425" tIns="45700" rIns="91425" bIns="45700" anchor="t" anchorCtr="0">
-            <a:normAutofit/>
+            <a:normAutofit fontScale="90000"/>
           </a:bodyPr>
           <a:lstStyle/>
           <a:p>
